--- a/DATA SPARK-ILLUMINATING INSIGHTS OF GLOBAL ELECTRONICS.pptx
+++ b/DATA SPARK-ILLUMINATING INSIGHTS OF GLOBAL ELECTRONICS.pptx
@@ -9,12 +9,13 @@
     <p:sldId id="257" r:id="rId3"/>
     <p:sldId id="258" r:id="rId4"/>
     <p:sldId id="259" r:id="rId5"/>
-    <p:sldId id="260" r:id="rId6"/>
-    <p:sldId id="261" r:id="rId7"/>
-    <p:sldId id="262" r:id="rId8"/>
-    <p:sldId id="263" r:id="rId9"/>
-    <p:sldId id="264" r:id="rId10"/>
-    <p:sldId id="265" r:id="rId11"/>
+    <p:sldId id="266" r:id="rId6"/>
+    <p:sldId id="260" r:id="rId7"/>
+    <p:sldId id="261" r:id="rId8"/>
+    <p:sldId id="262" r:id="rId9"/>
+    <p:sldId id="263" r:id="rId10"/>
+    <p:sldId id="264" r:id="rId11"/>
+    <p:sldId id="265" r:id="rId12"/>
   </p:sldIdLst>
   <p:sldSz cx="12192000" cy="6858000"/>
   <p:notesSz cx="6858000" cy="9144000"/>
@@ -113,6 +114,11 @@
       </a:defRPr>
     </a:lvl9pPr>
   </p:defaultTextStyle>
+  <p:extLst>
+    <p:ext uri="{EFAFB233-063F-42B5-8137-9DF3F51BA10A}">
+      <p15:sldGuideLst xmlns:p15="http://schemas.microsoft.com/office/powerpoint/2012/main"/>
+    </p:ext>
+  </p:extLst>
 </p:presentation>
 </file>
 
@@ -839,7 +845,7 @@
             <a:fld id="{B61BEF0D-F0BB-DE4B-95CE-6DB70DBA9567}" type="datetimeFigureOut">
               <a:rPr lang="en-US" dirty="0"/>
               <a:pPr/>
-              <a:t>11/28/2024</a:t>
+              <a:t>11/29/2024</a:t>
             </a:fld>
             <a:endParaRPr lang="en-US" dirty="0"/>
           </a:p>
@@ -1087,7 +1093,7 @@
             <a:fld id="{B61BEF0D-F0BB-DE4B-95CE-6DB70DBA9567}" type="datetimeFigureOut">
               <a:rPr lang="en-US" dirty="0"/>
               <a:pPr/>
-              <a:t>11/28/2024</a:t>
+              <a:t>11/29/2024</a:t>
             </a:fld>
             <a:endParaRPr lang="en-US" dirty="0"/>
           </a:p>
@@ -1398,7 +1404,7 @@
             <a:fld id="{B61BEF0D-F0BB-DE4B-95CE-6DB70DBA9567}" type="datetimeFigureOut">
               <a:rPr lang="en-US" dirty="0"/>
               <a:pPr/>
-              <a:t>11/28/2024</a:t>
+              <a:t>11/29/2024</a:t>
             </a:fld>
             <a:endParaRPr lang="en-US" dirty="0"/>
           </a:p>
@@ -1736,7 +1742,7 @@
             <a:fld id="{B61BEF0D-F0BB-DE4B-95CE-6DB70DBA9567}" type="datetimeFigureOut">
               <a:rPr lang="en-US" dirty="0"/>
               <a:pPr/>
-              <a:t>11/28/2024</a:t>
+              <a:t>11/29/2024</a:t>
             </a:fld>
             <a:endParaRPr lang="en-US" dirty="0"/>
           </a:p>
@@ -2047,7 +2053,7 @@
             <a:fld id="{B61BEF0D-F0BB-DE4B-95CE-6DB70DBA9567}" type="datetimeFigureOut">
               <a:rPr lang="en-US" dirty="0"/>
               <a:pPr/>
-              <a:t>11/28/2024</a:t>
+              <a:t>11/29/2024</a:t>
             </a:fld>
             <a:endParaRPr lang="en-US" dirty="0"/>
           </a:p>
@@ -2437,7 +2443,7 @@
             <a:fld id="{B61BEF0D-F0BB-DE4B-95CE-6DB70DBA9567}" type="datetimeFigureOut">
               <a:rPr lang="en-US" dirty="0"/>
               <a:pPr/>
-              <a:t>11/28/2024</a:t>
+              <a:t>11/29/2024</a:t>
             </a:fld>
             <a:endParaRPr lang="en-US" dirty="0"/>
           </a:p>
@@ -2603,7 +2609,7 @@
           <a:p>
             <a:fld id="{55C6B4A9-1611-4792-9094-5F34BCA07E0B}" type="datetimeFigureOut">
               <a:rPr lang="en-US" dirty="0"/>
-              <a:t>11/28/2024</a:t>
+              <a:t>11/29/2024</a:t>
             </a:fld>
             <a:endParaRPr lang="en-US" dirty="0"/>
           </a:p>
@@ -2779,7 +2785,7 @@
             <a:fld id="{B61BEF0D-F0BB-DE4B-95CE-6DB70DBA9567}" type="datetimeFigureOut">
               <a:rPr lang="en-US" dirty="0"/>
               <a:pPr/>
-              <a:t>11/28/2024</a:t>
+              <a:t>11/29/2024</a:t>
             </a:fld>
             <a:endParaRPr lang="en-US" dirty="0"/>
           </a:p>
@@ -2952,7 +2958,7 @@
             <a:fld id="{B61BEF0D-F0BB-DE4B-95CE-6DB70DBA9567}" type="datetimeFigureOut">
               <a:rPr lang="en-US" dirty="0"/>
               <a:pPr/>
-              <a:t>11/28/2024</a:t>
+              <a:t>11/29/2024</a:t>
             </a:fld>
             <a:endParaRPr lang="en-US" dirty="0"/>
           </a:p>
@@ -3196,7 +3202,7 @@
             <a:fld id="{B61BEF0D-F0BB-DE4B-95CE-6DB70DBA9567}" type="datetimeFigureOut">
               <a:rPr lang="en-US" dirty="0"/>
               <a:pPr/>
-              <a:t>11/28/2024</a:t>
+              <a:t>11/29/2024</a:t>
             </a:fld>
             <a:endParaRPr lang="en-US" dirty="0"/>
           </a:p>
@@ -3424,7 +3430,7 @@
           <a:p>
             <a:fld id="{EB712588-04B1-427B-82EE-E8DB90309F08}" type="datetimeFigureOut">
               <a:rPr lang="en-US" dirty="0"/>
-              <a:t>11/28/2024</a:t>
+              <a:t>11/29/2024</a:t>
             </a:fld>
             <a:endParaRPr lang="en-US" dirty="0"/>
           </a:p>
@@ -3794,7 +3800,7 @@
             <a:fld id="{B61BEF0D-F0BB-DE4B-95CE-6DB70DBA9567}" type="datetimeFigureOut">
               <a:rPr lang="en-US" dirty="0"/>
               <a:pPr/>
-              <a:t>11/28/2024</a:t>
+              <a:t>11/29/2024</a:t>
             </a:fld>
             <a:endParaRPr lang="en-US" dirty="0"/>
           </a:p>
@@ -3914,7 +3920,7 @@
             <a:fld id="{B61BEF0D-F0BB-DE4B-95CE-6DB70DBA9567}" type="datetimeFigureOut">
               <a:rPr lang="en-US" dirty="0"/>
               <a:pPr/>
-              <a:t>11/28/2024</a:t>
+              <a:t>11/29/2024</a:t>
             </a:fld>
             <a:endParaRPr lang="en-US" dirty="0"/>
           </a:p>
@@ -4006,7 +4012,7 @@
             <a:fld id="{B61BEF0D-F0BB-DE4B-95CE-6DB70DBA9567}" type="datetimeFigureOut">
               <a:rPr lang="en-US" dirty="0"/>
               <a:pPr/>
-              <a:t>11/28/2024</a:t>
+              <a:t>11/29/2024</a:t>
             </a:fld>
             <a:endParaRPr lang="en-US" dirty="0"/>
           </a:p>
@@ -4257,7 +4263,7 @@
           <a:p>
             <a:fld id="{42A54C80-263E-416B-A8E0-580EDEADCBDC}" type="datetimeFigureOut">
               <a:rPr lang="en-US" dirty="0"/>
-              <a:t>11/28/2024</a:t>
+              <a:t>11/29/2024</a:t>
             </a:fld>
             <a:endParaRPr lang="en-US" dirty="0"/>
           </a:p>
@@ -4516,7 +4522,7 @@
             <a:fld id="{B61BEF0D-F0BB-DE4B-95CE-6DB70DBA9567}" type="datetimeFigureOut">
               <a:rPr lang="en-US" dirty="0"/>
               <a:pPr/>
-              <a:t>11/28/2024</a:t>
+              <a:t>11/29/2024</a:t>
             </a:fld>
             <a:endParaRPr lang="en-US" dirty="0"/>
           </a:p>
@@ -5256,7 +5262,7 @@
             <a:fld id="{B61BEF0D-F0BB-DE4B-95CE-6DB70DBA9567}" type="datetimeFigureOut">
               <a:rPr lang="en-US" dirty="0"/>
               <a:pPr/>
-              <a:t>11/28/2024</a:t>
+              <a:t>11/29/2024</a:t>
             </a:fld>
             <a:endParaRPr lang="en-US" dirty="0"/>
           </a:p>
@@ -5875,6 +5881,89 @@
           <p:cNvPr id="2" name="Title 1">
             <a:extLst>
               <a:ext uri="{FF2B5EF4-FFF2-40B4-BE49-F238E27FC236}">
+                <a16:creationId xmlns:a16="http://schemas.microsoft.com/office/drawing/2014/main" id="{11499395-F77C-4C53-ACF7-9AE466A090BB}"/>
+              </a:ext>
+            </a:extLst>
+          </p:cNvPr>
+          <p:cNvSpPr>
+            <a:spLocks noGrp="1"/>
+          </p:cNvSpPr>
+          <p:nvPr>
+            <p:ph type="title"/>
+          </p:nvPr>
+        </p:nvSpPr>
+        <p:spPr/>
+        <p:txBody>
+          <a:bodyPr/>
+          <a:lstStyle/>
+          <a:p>
+            <a:endParaRPr lang="en-IN"/>
+          </a:p>
+        </p:txBody>
+      </p:sp>
+      <p:pic>
+        <p:nvPicPr>
+          <p:cNvPr id="5" name="Content Placeholder 4">
+            <a:extLst>
+              <a:ext uri="{FF2B5EF4-FFF2-40B4-BE49-F238E27FC236}">
+                <a16:creationId xmlns:a16="http://schemas.microsoft.com/office/drawing/2014/main" id="{63EEC5F8-C5D7-4B1F-A0C5-E7F64D0339A8}"/>
+              </a:ext>
+            </a:extLst>
+          </p:cNvPr>
+          <p:cNvPicPr>
+            <a:picLocks noGrp="1" noChangeAspect="1"/>
+          </p:cNvPicPr>
+          <p:nvPr>
+            <p:ph idx="1"/>
+          </p:nvPr>
+        </p:nvPicPr>
+        <p:blipFill rotWithShape="1">
+          <a:blip r:embed="rId2"/>
+          <a:srcRect l="18325" t="25963" r="36520" b="27864"/>
+          <a:stretch/>
+        </p:blipFill>
+        <p:spPr>
+          <a:xfrm>
+            <a:off x="0" y="1"/>
+            <a:ext cx="12192000" cy="6858000"/>
+          </a:xfrm>
+        </p:spPr>
+      </p:pic>
+    </p:spTree>
+    <p:extLst>
+      <p:ext uri="{BB962C8B-B14F-4D97-AF65-F5344CB8AC3E}">
+        <p14:creationId xmlns:p14="http://schemas.microsoft.com/office/powerpoint/2010/main" val="3985331651"/>
+      </p:ext>
+    </p:extLst>
+  </p:cSld>
+  <p:clrMapOvr>
+    <a:masterClrMapping/>
+  </p:clrMapOvr>
+</p:sld>
+</file>
+
+<file path=ppt/slides/slide11.xml><?xml version="1.0" encoding="utf-8"?>
+<p:sld xmlns:a="http://schemas.openxmlformats.org/drawingml/2006/main" xmlns:r="http://schemas.openxmlformats.org/officeDocument/2006/relationships" xmlns:p="http://schemas.openxmlformats.org/presentationml/2006/main">
+  <p:cSld>
+    <p:spTree>
+      <p:nvGrpSpPr>
+        <p:cNvPr id="1" name=""/>
+        <p:cNvGrpSpPr/>
+        <p:nvPr/>
+      </p:nvGrpSpPr>
+      <p:grpSpPr>
+        <a:xfrm>
+          <a:off x="0" y="0"/>
+          <a:ext cx="0" cy="0"/>
+          <a:chOff x="0" y="0"/>
+          <a:chExt cx="0" cy="0"/>
+        </a:xfrm>
+      </p:grpSpPr>
+      <p:sp>
+        <p:nvSpPr>
+          <p:cNvPr id="2" name="Title 1">
+            <a:extLst>
+              <a:ext uri="{FF2B5EF4-FFF2-40B4-BE49-F238E27FC236}">
                 <a16:creationId xmlns:a16="http://schemas.microsoft.com/office/drawing/2014/main" id="{E42DA580-86C0-4FCA-9A9A-D32C0F878929}"/>
               </a:ext>
             </a:extLst>
@@ -6207,6 +6296,89 @@
           <p:cNvPr id="2" name="Title 1">
             <a:extLst>
               <a:ext uri="{FF2B5EF4-FFF2-40B4-BE49-F238E27FC236}">
+                <a16:creationId xmlns:a16="http://schemas.microsoft.com/office/drawing/2014/main" id="{AE368346-AE83-4157-95E6-A314395C6B55}"/>
+              </a:ext>
+            </a:extLst>
+          </p:cNvPr>
+          <p:cNvSpPr>
+            <a:spLocks noGrp="1"/>
+          </p:cNvSpPr>
+          <p:nvPr>
+            <p:ph type="title"/>
+          </p:nvPr>
+        </p:nvSpPr>
+        <p:spPr/>
+        <p:txBody>
+          <a:bodyPr/>
+          <a:lstStyle/>
+          <a:p>
+            <a:endParaRPr lang="en-IN"/>
+          </a:p>
+        </p:txBody>
+      </p:sp>
+      <p:pic>
+        <p:nvPicPr>
+          <p:cNvPr id="5" name="Content Placeholder 4">
+            <a:extLst>
+              <a:ext uri="{FF2B5EF4-FFF2-40B4-BE49-F238E27FC236}">
+                <a16:creationId xmlns:a16="http://schemas.microsoft.com/office/drawing/2014/main" id="{2A7E6807-D4AD-4822-B716-12F7E742D11B}"/>
+              </a:ext>
+            </a:extLst>
+          </p:cNvPr>
+          <p:cNvPicPr>
+            <a:picLocks noGrp="1" noChangeAspect="1"/>
+          </p:cNvPicPr>
+          <p:nvPr>
+            <p:ph idx="1"/>
+          </p:nvPr>
+        </p:nvPicPr>
+        <p:blipFill rotWithShape="1">
+          <a:blip r:embed="rId2"/>
+          <a:srcRect l="7122" t="25210" r="45610" b="22816"/>
+          <a:stretch/>
+        </p:blipFill>
+        <p:spPr>
+          <a:xfrm>
+            <a:off x="-1" y="-65988"/>
+            <a:ext cx="12273699" cy="6923987"/>
+          </a:xfrm>
+        </p:spPr>
+      </p:pic>
+    </p:spTree>
+    <p:extLst>
+      <p:ext uri="{BB962C8B-B14F-4D97-AF65-F5344CB8AC3E}">
+        <p14:creationId xmlns:p14="http://schemas.microsoft.com/office/powerpoint/2010/main" val="94843370"/>
+      </p:ext>
+    </p:extLst>
+  </p:cSld>
+  <p:clrMapOvr>
+    <a:masterClrMapping/>
+  </p:clrMapOvr>
+</p:sld>
+</file>
+
+<file path=ppt/slides/slide6.xml><?xml version="1.0" encoding="utf-8"?>
+<p:sld xmlns:a="http://schemas.openxmlformats.org/drawingml/2006/main" xmlns:r="http://schemas.openxmlformats.org/officeDocument/2006/relationships" xmlns:p="http://schemas.openxmlformats.org/presentationml/2006/main">
+  <p:cSld>
+    <p:spTree>
+      <p:nvGrpSpPr>
+        <p:cNvPr id="1" name=""/>
+        <p:cNvGrpSpPr/>
+        <p:nvPr/>
+      </p:nvGrpSpPr>
+      <p:grpSpPr>
+        <a:xfrm>
+          <a:off x="0" y="0"/>
+          <a:ext cx="0" cy="0"/>
+          <a:chOff x="0" y="0"/>
+          <a:chExt cx="0" cy="0"/>
+        </a:xfrm>
+      </p:grpSpPr>
+      <p:sp>
+        <p:nvSpPr>
+          <p:cNvPr id="2" name="Title 1">
+            <a:extLst>
+              <a:ext uri="{FF2B5EF4-FFF2-40B4-BE49-F238E27FC236}">
                 <a16:creationId xmlns:a16="http://schemas.microsoft.com/office/drawing/2014/main" id="{DE4300FA-33DC-4EA0-BEAC-246FD3229446}"/>
               </a:ext>
             </a:extLst>
@@ -6268,7 +6440,7 @@
 </p:sld>
 </file>
 
-<file path=ppt/slides/slide6.xml><?xml version="1.0" encoding="utf-8"?>
+<file path=ppt/slides/slide7.xml><?xml version="1.0" encoding="utf-8"?>
 <p:sld xmlns:a="http://schemas.openxmlformats.org/drawingml/2006/main" xmlns:r="http://schemas.openxmlformats.org/officeDocument/2006/relationships" xmlns:p="http://schemas.openxmlformats.org/presentationml/2006/main">
   <p:cSld>
     <p:spTree>
@@ -6351,7 +6523,7 @@
 </p:sld>
 </file>
 
-<file path=ppt/slides/slide7.xml><?xml version="1.0" encoding="utf-8"?>
+<file path=ppt/slides/slide8.xml><?xml version="1.0" encoding="utf-8"?>
 <p:sld xmlns:a="http://schemas.openxmlformats.org/drawingml/2006/main" xmlns:r="http://schemas.openxmlformats.org/officeDocument/2006/relationships" xmlns:p="http://schemas.openxmlformats.org/presentationml/2006/main">
   <p:cSld>
     <p:spTree>
@@ -6434,7 +6606,7 @@
 </p:sld>
 </file>
 
-<file path=ppt/slides/slide8.xml><?xml version="1.0" encoding="utf-8"?>
+<file path=ppt/slides/slide9.xml><?xml version="1.0" encoding="utf-8"?>
 <p:sld xmlns:a="http://schemas.openxmlformats.org/drawingml/2006/main" xmlns:r="http://schemas.openxmlformats.org/officeDocument/2006/relationships" xmlns:p="http://schemas.openxmlformats.org/presentationml/2006/main">
   <p:cSld>
     <p:spTree>
@@ -6508,89 +6680,6 @@
     <p:extLst>
       <p:ext uri="{BB962C8B-B14F-4D97-AF65-F5344CB8AC3E}">
         <p14:creationId xmlns:p14="http://schemas.microsoft.com/office/powerpoint/2010/main" val="3851766812"/>
-      </p:ext>
-    </p:extLst>
-  </p:cSld>
-  <p:clrMapOvr>
-    <a:masterClrMapping/>
-  </p:clrMapOvr>
-</p:sld>
-</file>
-
-<file path=ppt/slides/slide9.xml><?xml version="1.0" encoding="utf-8"?>
-<p:sld xmlns:a="http://schemas.openxmlformats.org/drawingml/2006/main" xmlns:r="http://schemas.openxmlformats.org/officeDocument/2006/relationships" xmlns:p="http://schemas.openxmlformats.org/presentationml/2006/main">
-  <p:cSld>
-    <p:spTree>
-      <p:nvGrpSpPr>
-        <p:cNvPr id="1" name=""/>
-        <p:cNvGrpSpPr/>
-        <p:nvPr/>
-      </p:nvGrpSpPr>
-      <p:grpSpPr>
-        <a:xfrm>
-          <a:off x="0" y="0"/>
-          <a:ext cx="0" cy="0"/>
-          <a:chOff x="0" y="0"/>
-          <a:chExt cx="0" cy="0"/>
-        </a:xfrm>
-      </p:grpSpPr>
-      <p:sp>
-        <p:nvSpPr>
-          <p:cNvPr id="2" name="Title 1">
-            <a:extLst>
-              <a:ext uri="{FF2B5EF4-FFF2-40B4-BE49-F238E27FC236}">
-                <a16:creationId xmlns:a16="http://schemas.microsoft.com/office/drawing/2014/main" id="{11499395-F77C-4C53-ACF7-9AE466A090BB}"/>
-              </a:ext>
-            </a:extLst>
-          </p:cNvPr>
-          <p:cNvSpPr>
-            <a:spLocks noGrp="1"/>
-          </p:cNvSpPr>
-          <p:nvPr>
-            <p:ph type="title"/>
-          </p:nvPr>
-        </p:nvSpPr>
-        <p:spPr/>
-        <p:txBody>
-          <a:bodyPr/>
-          <a:lstStyle/>
-          <a:p>
-            <a:endParaRPr lang="en-IN"/>
-          </a:p>
-        </p:txBody>
-      </p:sp>
-      <p:pic>
-        <p:nvPicPr>
-          <p:cNvPr id="5" name="Content Placeholder 4">
-            <a:extLst>
-              <a:ext uri="{FF2B5EF4-FFF2-40B4-BE49-F238E27FC236}">
-                <a16:creationId xmlns:a16="http://schemas.microsoft.com/office/drawing/2014/main" id="{63EEC5F8-C5D7-4B1F-A0C5-E7F64D0339A8}"/>
-              </a:ext>
-            </a:extLst>
-          </p:cNvPr>
-          <p:cNvPicPr>
-            <a:picLocks noGrp="1" noChangeAspect="1"/>
-          </p:cNvPicPr>
-          <p:nvPr>
-            <p:ph idx="1"/>
-          </p:nvPr>
-        </p:nvPicPr>
-        <p:blipFill rotWithShape="1">
-          <a:blip r:embed="rId2"/>
-          <a:srcRect l="18325" t="25963" r="36520" b="27864"/>
-          <a:stretch/>
-        </p:blipFill>
-        <p:spPr>
-          <a:xfrm>
-            <a:off x="0" y="1"/>
-            <a:ext cx="12192000" cy="6858000"/>
-          </a:xfrm>
-        </p:spPr>
-      </p:pic>
-    </p:spTree>
-    <p:extLst>
-      <p:ext uri="{BB962C8B-B14F-4D97-AF65-F5344CB8AC3E}">
-        <p14:creationId xmlns:p14="http://schemas.microsoft.com/office/powerpoint/2010/main" val="3985331651"/>
       </p:ext>
     </p:extLst>
   </p:cSld>

--- a/DATA SPARK-ILLUMINATING INSIGHTS OF GLOBAL ELECTRONICS.pptx
+++ b/DATA SPARK-ILLUMINATING INSIGHTS OF GLOBAL ELECTRONICS.pptx
@@ -845,7 +845,7 @@
             <a:fld id="{B61BEF0D-F0BB-DE4B-95CE-6DB70DBA9567}" type="datetimeFigureOut">
               <a:rPr lang="en-US" dirty="0"/>
               <a:pPr/>
-              <a:t>11/29/2024</a:t>
+              <a:t>12/1/2024</a:t>
             </a:fld>
             <a:endParaRPr lang="en-US" dirty="0"/>
           </a:p>
@@ -1093,7 +1093,7 @@
             <a:fld id="{B61BEF0D-F0BB-DE4B-95CE-6DB70DBA9567}" type="datetimeFigureOut">
               <a:rPr lang="en-US" dirty="0"/>
               <a:pPr/>
-              <a:t>11/29/2024</a:t>
+              <a:t>12/1/2024</a:t>
             </a:fld>
             <a:endParaRPr lang="en-US" dirty="0"/>
           </a:p>
@@ -1404,7 +1404,7 @@
             <a:fld id="{B61BEF0D-F0BB-DE4B-95CE-6DB70DBA9567}" type="datetimeFigureOut">
               <a:rPr lang="en-US" dirty="0"/>
               <a:pPr/>
-              <a:t>11/29/2024</a:t>
+              <a:t>12/1/2024</a:t>
             </a:fld>
             <a:endParaRPr lang="en-US" dirty="0"/>
           </a:p>
@@ -1742,7 +1742,7 @@
             <a:fld id="{B61BEF0D-F0BB-DE4B-95CE-6DB70DBA9567}" type="datetimeFigureOut">
               <a:rPr lang="en-US" dirty="0"/>
               <a:pPr/>
-              <a:t>11/29/2024</a:t>
+              <a:t>12/1/2024</a:t>
             </a:fld>
             <a:endParaRPr lang="en-US" dirty="0"/>
           </a:p>
@@ -2053,7 +2053,7 @@
             <a:fld id="{B61BEF0D-F0BB-DE4B-95CE-6DB70DBA9567}" type="datetimeFigureOut">
               <a:rPr lang="en-US" dirty="0"/>
               <a:pPr/>
-              <a:t>11/29/2024</a:t>
+              <a:t>12/1/2024</a:t>
             </a:fld>
             <a:endParaRPr lang="en-US" dirty="0"/>
           </a:p>
@@ -2443,7 +2443,7 @@
             <a:fld id="{B61BEF0D-F0BB-DE4B-95CE-6DB70DBA9567}" type="datetimeFigureOut">
               <a:rPr lang="en-US" dirty="0"/>
               <a:pPr/>
-              <a:t>11/29/2024</a:t>
+              <a:t>12/1/2024</a:t>
             </a:fld>
             <a:endParaRPr lang="en-US" dirty="0"/>
           </a:p>
@@ -2609,7 +2609,7 @@
           <a:p>
             <a:fld id="{55C6B4A9-1611-4792-9094-5F34BCA07E0B}" type="datetimeFigureOut">
               <a:rPr lang="en-US" dirty="0"/>
-              <a:t>11/29/2024</a:t>
+              <a:t>12/1/2024</a:t>
             </a:fld>
             <a:endParaRPr lang="en-US" dirty="0"/>
           </a:p>
@@ -2785,7 +2785,7 @@
             <a:fld id="{B61BEF0D-F0BB-DE4B-95CE-6DB70DBA9567}" type="datetimeFigureOut">
               <a:rPr lang="en-US" dirty="0"/>
               <a:pPr/>
-              <a:t>11/29/2024</a:t>
+              <a:t>12/1/2024</a:t>
             </a:fld>
             <a:endParaRPr lang="en-US" dirty="0"/>
           </a:p>
@@ -2958,7 +2958,7 @@
             <a:fld id="{B61BEF0D-F0BB-DE4B-95CE-6DB70DBA9567}" type="datetimeFigureOut">
               <a:rPr lang="en-US" dirty="0"/>
               <a:pPr/>
-              <a:t>11/29/2024</a:t>
+              <a:t>12/1/2024</a:t>
             </a:fld>
             <a:endParaRPr lang="en-US" dirty="0"/>
           </a:p>
@@ -3202,7 +3202,7 @@
             <a:fld id="{B61BEF0D-F0BB-DE4B-95CE-6DB70DBA9567}" type="datetimeFigureOut">
               <a:rPr lang="en-US" dirty="0"/>
               <a:pPr/>
-              <a:t>11/29/2024</a:t>
+              <a:t>12/1/2024</a:t>
             </a:fld>
             <a:endParaRPr lang="en-US" dirty="0"/>
           </a:p>
@@ -3430,7 +3430,7 @@
           <a:p>
             <a:fld id="{EB712588-04B1-427B-82EE-E8DB90309F08}" type="datetimeFigureOut">
               <a:rPr lang="en-US" dirty="0"/>
-              <a:t>11/29/2024</a:t>
+              <a:t>12/1/2024</a:t>
             </a:fld>
             <a:endParaRPr lang="en-US" dirty="0"/>
           </a:p>
@@ -3800,7 +3800,7 @@
             <a:fld id="{B61BEF0D-F0BB-DE4B-95CE-6DB70DBA9567}" type="datetimeFigureOut">
               <a:rPr lang="en-US" dirty="0"/>
               <a:pPr/>
-              <a:t>11/29/2024</a:t>
+              <a:t>12/1/2024</a:t>
             </a:fld>
             <a:endParaRPr lang="en-US" dirty="0"/>
           </a:p>
@@ -3920,7 +3920,7 @@
             <a:fld id="{B61BEF0D-F0BB-DE4B-95CE-6DB70DBA9567}" type="datetimeFigureOut">
               <a:rPr lang="en-US" dirty="0"/>
               <a:pPr/>
-              <a:t>11/29/2024</a:t>
+              <a:t>12/1/2024</a:t>
             </a:fld>
             <a:endParaRPr lang="en-US" dirty="0"/>
           </a:p>
@@ -4012,7 +4012,7 @@
             <a:fld id="{B61BEF0D-F0BB-DE4B-95CE-6DB70DBA9567}" type="datetimeFigureOut">
               <a:rPr lang="en-US" dirty="0"/>
               <a:pPr/>
-              <a:t>11/29/2024</a:t>
+              <a:t>12/1/2024</a:t>
             </a:fld>
             <a:endParaRPr lang="en-US" dirty="0"/>
           </a:p>
@@ -4263,7 +4263,7 @@
           <a:p>
             <a:fld id="{42A54C80-263E-416B-A8E0-580EDEADCBDC}" type="datetimeFigureOut">
               <a:rPr lang="en-US" dirty="0"/>
-              <a:t>11/29/2024</a:t>
+              <a:t>12/1/2024</a:t>
             </a:fld>
             <a:endParaRPr lang="en-US" dirty="0"/>
           </a:p>
@@ -4522,7 +4522,7 @@
             <a:fld id="{B61BEF0D-F0BB-DE4B-95CE-6DB70DBA9567}" type="datetimeFigureOut">
               <a:rPr lang="en-US" dirty="0"/>
               <a:pPr/>
-              <a:t>11/29/2024</a:t>
+              <a:t>12/1/2024</a:t>
             </a:fld>
             <a:endParaRPr lang="en-US" dirty="0"/>
           </a:p>
@@ -5262,7 +5262,7 @@
             <a:fld id="{B61BEF0D-F0BB-DE4B-95CE-6DB70DBA9567}" type="datetimeFigureOut">
               <a:rPr lang="en-US" dirty="0"/>
               <a:pPr/>
-              <a:t>11/29/2024</a:t>
+              <a:t>12/1/2024</a:t>
             </a:fld>
             <a:endParaRPr lang="en-US" dirty="0"/>
           </a:p>
@@ -5897,7 +5897,11 @@
           <a:bodyPr/>
           <a:lstStyle/>
           <a:p>
-            <a:endParaRPr lang="en-IN"/>
+            <a:r>
+              <a:rPr lang="en-GB" dirty="0"/>
+              <a:t>FETCH THE MOST RECENT ORDER OF EACH STORE</a:t>
+            </a:r>
+            <a:endParaRPr lang="en-IN" dirty="0"/>
           </a:p>
         </p:txBody>
       </p:sp>
@@ -5924,8 +5928,8 @@
         </p:blipFill>
         <p:spPr>
           <a:xfrm>
-            <a:off x="0" y="1"/>
-            <a:ext cx="12192000" cy="6858000"/>
+            <a:off x="0" y="1772239"/>
+            <a:ext cx="12192000" cy="5085762"/>
           </a:xfrm>
         </p:spPr>
       </p:pic>
@@ -5980,7 +5984,11 @@
           <a:bodyPr/>
           <a:lstStyle/>
           <a:p>
-            <a:endParaRPr lang="en-IN"/>
+            <a:r>
+              <a:rPr lang="en-GB" dirty="0"/>
+              <a:t>SUM OF TOTAL UNIT COST BY PRODUCT NAME</a:t>
+            </a:r>
+            <a:endParaRPr lang="en-IN" dirty="0"/>
           </a:p>
         </p:txBody>
       </p:sp>
@@ -6007,8 +6015,8 @@
         </p:blipFill>
         <p:spPr>
           <a:xfrm>
-            <a:off x="1" y="0"/>
-            <a:ext cx="12192000" cy="6857999"/>
+            <a:off x="1" y="2045615"/>
+            <a:ext cx="12192000" cy="4812383"/>
           </a:xfrm>
         </p:spPr>
       </p:pic>
@@ -6063,6 +6071,10 @@
           <a:bodyPr/>
           <a:lstStyle/>
           <a:p>
+            <a:r>
+              <a:rPr lang="en-GB" dirty="0"/>
+              <a:t>Total Square Metres of Stores by Country</a:t>
+            </a:r>
             <a:endParaRPr lang="en-IN" dirty="0"/>
           </a:p>
         </p:txBody>
@@ -6090,8 +6102,8 @@
         </p:blipFill>
         <p:spPr>
           <a:xfrm>
-            <a:off x="0" y="0"/>
-            <a:ext cx="12192000" cy="6857999"/>
+            <a:off x="0" y="1385740"/>
+            <a:ext cx="12192000" cy="5472259"/>
           </a:xfrm>
         </p:spPr>
       </p:pic>
@@ -6146,7 +6158,11 @@
           <a:bodyPr/>
           <a:lstStyle/>
           <a:p>
-            <a:endParaRPr lang="en-IN"/>
+            <a:r>
+              <a:rPr lang="en-GB" dirty="0"/>
+              <a:t>SUM OF TOTAL ORDERS PER MONTH</a:t>
+            </a:r>
+            <a:endParaRPr lang="en-IN" dirty="0"/>
           </a:p>
         </p:txBody>
       </p:sp>
@@ -6173,8 +6189,8 @@
         </p:blipFill>
         <p:spPr>
           <a:xfrm>
-            <a:off x="0" y="0"/>
-            <a:ext cx="12192000" cy="6858000"/>
+            <a:off x="0" y="1432874"/>
+            <a:ext cx="12192000" cy="5425126"/>
           </a:xfrm>
         </p:spPr>
       </p:pic>
@@ -6229,7 +6245,11 @@
           <a:bodyPr/>
           <a:lstStyle/>
           <a:p>
-            <a:endParaRPr lang="en-IN"/>
+            <a:r>
+              <a:rPr lang="en-GB" dirty="0"/>
+              <a:t>EXCHANGE RATE TRENDS</a:t>
+            </a:r>
+            <a:endParaRPr lang="en-IN" dirty="0"/>
           </a:p>
         </p:txBody>
       </p:sp>
@@ -6256,8 +6276,8 @@
         </p:blipFill>
         <p:spPr>
           <a:xfrm>
-            <a:off x="0" y="-1"/>
-            <a:ext cx="12192000" cy="6924583"/>
+            <a:off x="0" y="1216058"/>
+            <a:ext cx="12192000" cy="5708524"/>
           </a:xfrm>
         </p:spPr>
       </p:pic>
@@ -6312,7 +6332,11 @@
           <a:bodyPr/>
           <a:lstStyle/>
           <a:p>
-            <a:endParaRPr lang="en-IN"/>
+            <a:r>
+              <a:rPr lang="en-GB" dirty="0"/>
+              <a:t>STORE OPEN DATES</a:t>
+            </a:r>
+            <a:endParaRPr lang="en-IN" dirty="0"/>
           </a:p>
         </p:txBody>
       </p:sp>
@@ -6339,8 +6363,8 @@
         </p:blipFill>
         <p:spPr>
           <a:xfrm>
-            <a:off x="-1" y="-65988"/>
-            <a:ext cx="12273699" cy="6923987"/>
+            <a:off x="-1" y="1423447"/>
+            <a:ext cx="12273699" cy="5434552"/>
           </a:xfrm>
         </p:spPr>
       </p:pic>
@@ -6395,7 +6419,11 @@
           <a:bodyPr/>
           <a:lstStyle/>
           <a:p>
-            <a:endParaRPr lang="en-IN"/>
+            <a:r>
+              <a:rPr lang="en-GB" dirty="0"/>
+              <a:t>TOTAL QUANTITY SOLD IN USD CURRENCY</a:t>
+            </a:r>
+            <a:endParaRPr lang="en-IN" dirty="0"/>
           </a:p>
         </p:txBody>
       </p:sp>
@@ -6422,8 +6450,8 @@
         </p:blipFill>
         <p:spPr>
           <a:xfrm>
-            <a:off x="-1083076" y="0"/>
-            <a:ext cx="13275076" cy="6858000"/>
+            <a:off x="0" y="1743958"/>
+            <a:ext cx="12192000" cy="5114041"/>
           </a:xfrm>
         </p:spPr>
       </p:pic>
@@ -6473,11 +6501,20 @@
             <p:ph type="title"/>
           </p:nvPr>
         </p:nvSpPr>
-        <p:spPr/>
+        <p:spPr>
+          <a:xfrm>
+            <a:off x="677334" y="609600"/>
+            <a:ext cx="8596668" cy="832701"/>
+          </a:xfrm>
+        </p:spPr>
         <p:txBody>
           <a:bodyPr/>
           <a:lstStyle/>
           <a:p>
+            <a:r>
+              <a:rPr lang="en-GB" dirty="0"/>
+              <a:t>TOTAL SALES QUANTITY BY SUM OF YEAR</a:t>
+            </a:r>
             <a:endParaRPr lang="en-IN" dirty="0"/>
           </a:p>
         </p:txBody>
@@ -6505,8 +6542,8 @@
         </p:blipFill>
         <p:spPr>
           <a:xfrm>
-            <a:off x="0" y="0"/>
-            <a:ext cx="12192000" cy="6858000"/>
+            <a:off x="0" y="1442301"/>
+            <a:ext cx="12192000" cy="5415699"/>
           </a:xfrm>
         </p:spPr>
       </p:pic>
@@ -6561,7 +6598,11 @@
           <a:bodyPr/>
           <a:lstStyle/>
           <a:p>
-            <a:endParaRPr lang="en-IN"/>
+            <a:r>
+              <a:rPr lang="en-GB" dirty="0"/>
+              <a:t>COUNTRIES WITH STORES OPENED AFTER 2015</a:t>
+            </a:r>
+            <a:endParaRPr lang="en-IN" dirty="0"/>
           </a:p>
         </p:txBody>
       </p:sp>
@@ -6588,8 +6629,8 @@
         </p:blipFill>
         <p:spPr>
           <a:xfrm>
-            <a:off x="0" y="0"/>
-            <a:ext cx="12192000" cy="6858000"/>
+            <a:off x="0" y="1715678"/>
+            <a:ext cx="12192000" cy="5142321"/>
           </a:xfrm>
         </p:spPr>
       </p:pic>
@@ -6644,7 +6685,11 @@
           <a:bodyPr/>
           <a:lstStyle/>
           <a:p>
-            <a:endParaRPr lang="en-IN"/>
+            <a:r>
+              <a:rPr lang="en-GB" dirty="0"/>
+              <a:t>SUM OF ORDERS WITH MULTIPLE LINE ITEMS</a:t>
+            </a:r>
+            <a:endParaRPr lang="en-IN" dirty="0"/>
           </a:p>
         </p:txBody>
       </p:sp>
@@ -6671,8 +6716,8 @@
         </p:blipFill>
         <p:spPr>
           <a:xfrm>
-            <a:off x="0" y="0"/>
-            <a:ext cx="12192000" cy="6857999"/>
+            <a:off x="0" y="1930400"/>
+            <a:ext cx="12192000" cy="4927599"/>
           </a:xfrm>
         </p:spPr>
       </p:pic>
